--- a/goodMoviesWireframe.pptx
+++ b/goodMoviesWireframe.pptx
@@ -5,16 +5,17 @@
     <p:sldMasterId id="2147483648" r:id="rId1"/>
   </p:sldMasterIdLst>
   <p:notesMasterIdLst>
-    <p:notesMasterId r:id="rId9"/>
+    <p:notesMasterId r:id="rId10"/>
   </p:notesMasterIdLst>
   <p:sldIdLst>
     <p:sldId id="262" r:id="rId2"/>
     <p:sldId id="260" r:id="rId3"/>
     <p:sldId id="256" r:id="rId4"/>
-    <p:sldId id="257" r:id="rId5"/>
-    <p:sldId id="261" r:id="rId6"/>
-    <p:sldId id="258" r:id="rId7"/>
-    <p:sldId id="259" r:id="rId8"/>
+    <p:sldId id="264" r:id="rId5"/>
+    <p:sldId id="257" r:id="rId6"/>
+    <p:sldId id="261" r:id="rId7"/>
+    <p:sldId id="258" r:id="rId8"/>
+    <p:sldId id="259" r:id="rId9"/>
   </p:sldIdLst>
   <p:sldSz cx="12192000" cy="6858000"/>
   <p:notesSz cx="6858000" cy="9144000"/>
@@ -126,6 +127,126 @@
     </p:extLst>
   </p:cmAuthor>
 </p:cmAuthorLst>
+</file>
+
+<file path=ppt/changesInfos/changesInfo1.xml><?xml version="1.0" encoding="utf-8"?>
+<pc:chgInfo xmlns:a="http://schemas.openxmlformats.org/drawingml/2006/main" xmlns:r="http://schemas.openxmlformats.org/officeDocument/2006/relationships" xmlns:ac="http://schemas.microsoft.com/office/drawing/2013/main/command" xmlns:pc="http://schemas.microsoft.com/office/powerpoint/2013/main/command">
+  <pc:docChgLst>
+    <pc:chgData name="Brandon Copeland" userId="da9cb75c177bef06" providerId="LiveId" clId="{BE3CCA90-9F72-4AB2-B16C-B0CC380649AD}"/>
+    <pc:docChg chg="custSel addSld delSld modSld">
+      <pc:chgData name="Brandon Copeland" userId="da9cb75c177bef06" providerId="LiveId" clId="{BE3CCA90-9F72-4AB2-B16C-B0CC380649AD}" dt="2022-01-14T19:18:33.150" v="103" actId="478"/>
+      <pc:docMkLst>
+        <pc:docMk/>
+      </pc:docMkLst>
+      <pc:sldChg chg="modSp mod">
+        <pc:chgData name="Brandon Copeland" userId="da9cb75c177bef06" providerId="LiveId" clId="{BE3CCA90-9F72-4AB2-B16C-B0CC380649AD}" dt="2022-01-14T19:12:37.722" v="11" actId="20577"/>
+        <pc:sldMkLst>
+          <pc:docMk/>
+          <pc:sldMk cId="2068042214" sldId="256"/>
+        </pc:sldMkLst>
+        <pc:spChg chg="mod">
+          <ac:chgData name="Brandon Copeland" userId="da9cb75c177bef06" providerId="LiveId" clId="{BE3CCA90-9F72-4AB2-B16C-B0CC380649AD}" dt="2022-01-14T19:12:37.722" v="11" actId="20577"/>
+          <ac:spMkLst>
+            <pc:docMk/>
+            <pc:sldMk cId="2068042214" sldId="256"/>
+            <ac:spMk id="2" creationId="{2C729AD8-3970-42EB-A561-848EA78F6D0E}"/>
+          </ac:spMkLst>
+        </pc:spChg>
+      </pc:sldChg>
+      <pc:sldChg chg="addSp modSp mod">
+        <pc:chgData name="Brandon Copeland" userId="da9cb75c177bef06" providerId="LiveId" clId="{BE3CCA90-9F72-4AB2-B16C-B0CC380649AD}" dt="2022-01-14T19:07:41.832" v="9" actId="122"/>
+        <pc:sldMkLst>
+          <pc:docMk/>
+          <pc:sldMk cId="1387769319" sldId="259"/>
+        </pc:sldMkLst>
+        <pc:spChg chg="add mod">
+          <ac:chgData name="Brandon Copeland" userId="da9cb75c177bef06" providerId="LiveId" clId="{BE3CCA90-9F72-4AB2-B16C-B0CC380649AD}" dt="2022-01-14T19:07:41.832" v="9" actId="122"/>
+          <ac:spMkLst>
+            <pc:docMk/>
+            <pc:sldMk cId="1387769319" sldId="259"/>
+            <ac:spMk id="14" creationId="{C3768F18-F38A-42FA-88FE-A9E7677E815D}"/>
+          </ac:spMkLst>
+        </pc:spChg>
+      </pc:sldChg>
+      <pc:sldChg chg="delSp mod">
+        <pc:chgData name="Brandon Copeland" userId="da9cb75c177bef06" providerId="LiveId" clId="{BE3CCA90-9F72-4AB2-B16C-B0CC380649AD}" dt="2022-01-14T19:18:33.150" v="103" actId="478"/>
+        <pc:sldMkLst>
+          <pc:docMk/>
+          <pc:sldMk cId="3331563011" sldId="261"/>
+        </pc:sldMkLst>
+        <pc:picChg chg="del">
+          <ac:chgData name="Brandon Copeland" userId="da9cb75c177bef06" providerId="LiveId" clId="{BE3CCA90-9F72-4AB2-B16C-B0CC380649AD}" dt="2022-01-14T19:18:33.150" v="103" actId="478"/>
+          <ac:picMkLst>
+            <pc:docMk/>
+            <pc:sldMk cId="3331563011" sldId="261"/>
+            <ac:picMk id="8" creationId="{7A17D244-D504-464E-8F70-B2EEAB2326BB}"/>
+          </ac:picMkLst>
+        </pc:picChg>
+      </pc:sldChg>
+      <pc:sldChg chg="addSp delSp modSp new del mod">
+        <pc:chgData name="Brandon Copeland" userId="da9cb75c177bef06" providerId="LiveId" clId="{BE3CCA90-9F72-4AB2-B16C-B0CC380649AD}" dt="2022-01-14T19:16:19.804" v="81" actId="2696"/>
+        <pc:sldMkLst>
+          <pc:docMk/>
+          <pc:sldMk cId="4150602625" sldId="263"/>
+        </pc:sldMkLst>
+        <pc:spChg chg="mod">
+          <ac:chgData name="Brandon Copeland" userId="da9cb75c177bef06" providerId="LiveId" clId="{BE3CCA90-9F72-4AB2-B16C-B0CC380649AD}" dt="2022-01-14T19:15:04.919" v="80" actId="14100"/>
+          <ac:spMkLst>
+            <pc:docMk/>
+            <pc:sldMk cId="4150602625" sldId="263"/>
+            <ac:spMk id="2" creationId="{1C7B1BAE-9E51-4370-B208-8CBF4213FDF7}"/>
+          </ac:spMkLst>
+        </pc:spChg>
+        <pc:spChg chg="del">
+          <ac:chgData name="Brandon Copeland" userId="da9cb75c177bef06" providerId="LiveId" clId="{BE3CCA90-9F72-4AB2-B16C-B0CC380649AD}" dt="2022-01-14T19:14:17.845" v="14" actId="478"/>
+          <ac:spMkLst>
+            <pc:docMk/>
+            <pc:sldMk cId="4150602625" sldId="263"/>
+            <ac:spMk id="3" creationId="{721963EB-B648-4114-A718-A5FF09B6DB52}"/>
+          </ac:spMkLst>
+        </pc:spChg>
+        <pc:picChg chg="add">
+          <ac:chgData name="Brandon Copeland" userId="da9cb75c177bef06" providerId="LiveId" clId="{BE3CCA90-9F72-4AB2-B16C-B0CC380649AD}" dt="2022-01-14T19:14:14.517" v="13"/>
+          <ac:picMkLst>
+            <pc:docMk/>
+            <pc:sldMk cId="4150602625" sldId="263"/>
+            <ac:picMk id="4" creationId="{3D9E0555-1AD0-468B-8531-AEC1151EAA10}"/>
+          </ac:picMkLst>
+        </pc:picChg>
+      </pc:sldChg>
+      <pc:sldChg chg="new del">
+        <pc:chgData name="Brandon Copeland" userId="da9cb75c177bef06" providerId="LiveId" clId="{BE3CCA90-9F72-4AB2-B16C-B0CC380649AD}" dt="2022-01-14T19:16:35.184" v="84" actId="47"/>
+        <pc:sldMkLst>
+          <pc:docMk/>
+          <pc:sldMk cId="4186709917" sldId="263"/>
+        </pc:sldMkLst>
+      </pc:sldChg>
+      <pc:sldChg chg="modSp add mod">
+        <pc:chgData name="Brandon Copeland" userId="da9cb75c177bef06" providerId="LiveId" clId="{BE3CCA90-9F72-4AB2-B16C-B0CC380649AD}" dt="2022-01-14T19:17:09.089" v="102" actId="20577"/>
+        <pc:sldMkLst>
+          <pc:docMk/>
+          <pc:sldMk cId="1132189820" sldId="264"/>
+        </pc:sldMkLst>
+        <pc:spChg chg="mod">
+          <ac:chgData name="Brandon Copeland" userId="da9cb75c177bef06" providerId="LiveId" clId="{BE3CCA90-9F72-4AB2-B16C-B0CC380649AD}" dt="2022-01-14T19:17:09.089" v="102" actId="20577"/>
+          <ac:spMkLst>
+            <pc:docMk/>
+            <pc:sldMk cId="1132189820" sldId="264"/>
+            <ac:spMk id="3" creationId="{E1A46AA7-E183-4491-86E2-A1C10006240E}"/>
+          </ac:spMkLst>
+        </pc:spChg>
+        <pc:spChg chg="mod">
+          <ac:chgData name="Brandon Copeland" userId="da9cb75c177bef06" providerId="LiveId" clId="{BE3CCA90-9F72-4AB2-B16C-B0CC380649AD}" dt="2022-01-14T19:16:49.442" v="101" actId="20577"/>
+          <ac:spMkLst>
+            <pc:docMk/>
+            <pc:sldMk cId="1132189820" sldId="264"/>
+            <ac:spMk id="4" creationId="{9B3AA783-F248-4271-A379-3399C0AE473E}"/>
+          </ac:spMkLst>
+        </pc:spChg>
+      </pc:sldChg>
+    </pc:docChg>
+  </pc:docChgLst>
+</pc:chgInfo>
 </file>
 
 <file path=ppt/comments/comment1.xml><?xml version="1.0" encoding="utf-8"?>
@@ -4338,6 +4459,176 @@
           <p:cNvPr id="2" name="Title 1">
             <a:extLst>
               <a:ext uri="{FF2B5EF4-FFF2-40B4-BE49-F238E27FC236}">
+                <a16:creationId xmlns:a16="http://schemas.microsoft.com/office/drawing/2014/main" id="{2C729AD8-3970-42EB-A561-848EA78F6D0E}"/>
+              </a:ext>
+            </a:extLst>
+          </p:cNvPr>
+          <p:cNvSpPr>
+            <a:spLocks noGrp="1"/>
+          </p:cNvSpPr>
+          <p:nvPr>
+            <p:ph type="ctrTitle"/>
+          </p:nvPr>
+        </p:nvSpPr>
+        <p:spPr>
+          <a:xfrm>
+            <a:off x="3815443" y="2082233"/>
+            <a:ext cx="3973285" cy="897392"/>
+          </a:xfrm>
+          <a:ln w="57150">
+            <a:solidFill>
+              <a:schemeClr val="tx1"/>
+            </a:solidFill>
+          </a:ln>
+        </p:spPr>
+        <p:txBody>
+          <a:bodyPr>
+            <a:normAutofit fontScale="90000"/>
+          </a:bodyPr>
+          <a:lstStyle/>
+          <a:p>
+            <a:r>
+              <a:rPr lang="en-US" dirty="0" err="1"/>
+              <a:t>GoodMovies</a:t>
+            </a:r>
+            <a:endParaRPr lang="en-US" dirty="0"/>
+          </a:p>
+        </p:txBody>
+      </p:sp>
+      <p:sp>
+        <p:nvSpPr>
+          <p:cNvPr id="3" name="Subtitle 2">
+            <a:extLst>
+              <a:ext uri="{FF2B5EF4-FFF2-40B4-BE49-F238E27FC236}">
+                <a16:creationId xmlns:a16="http://schemas.microsoft.com/office/drawing/2014/main" id="{E1A46AA7-E183-4491-86E2-A1C10006240E}"/>
+              </a:ext>
+            </a:extLst>
+          </p:cNvPr>
+          <p:cNvSpPr>
+            <a:spLocks noGrp="1"/>
+          </p:cNvSpPr>
+          <p:nvPr>
+            <p:ph type="subTitle" idx="1"/>
+          </p:nvPr>
+        </p:nvSpPr>
+        <p:spPr>
+          <a:xfrm>
+            <a:off x="2683933" y="4135399"/>
+            <a:ext cx="6694109" cy="660967"/>
+          </a:xfrm>
+          <a:ln w="38100">
+            <a:solidFill>
+              <a:schemeClr val="tx1"/>
+            </a:solidFill>
+          </a:ln>
+        </p:spPr>
+        <p:txBody>
+          <a:bodyPr>
+            <a:normAutofit/>
+          </a:bodyPr>
+          <a:lstStyle/>
+          <a:p>
+            <a:r>
+              <a:rPr lang="en-US" dirty="0"/>
+              <a:t>Cover	Title	Year	Director	</a:t>
+            </a:r>
+          </a:p>
+        </p:txBody>
+      </p:sp>
+      <p:sp>
+        <p:nvSpPr>
+          <p:cNvPr id="4" name="TextBox 3">
+            <a:extLst>
+              <a:ext uri="{FF2B5EF4-FFF2-40B4-BE49-F238E27FC236}">
+                <a16:creationId xmlns:a16="http://schemas.microsoft.com/office/drawing/2014/main" id="{9B3AA783-F248-4271-A379-3399C0AE473E}"/>
+              </a:ext>
+            </a:extLst>
+          </p:cNvPr>
+          <p:cNvSpPr txBox="1"/>
+          <p:nvPr/>
+        </p:nvSpPr>
+        <p:spPr>
+          <a:xfrm>
+            <a:off x="936171" y="293914"/>
+            <a:ext cx="10319658" cy="369332"/>
+          </a:xfrm>
+          <a:prstGeom prst="rect">
+            <a:avLst/>
+          </a:prstGeom>
+          <a:noFill/>
+        </p:spPr>
+        <p:txBody>
+          <a:bodyPr wrap="square" rtlCol="0">
+            <a:spAutoFit/>
+          </a:bodyPr>
+          <a:lstStyle/>
+          <a:p>
+            <a:r>
+              <a:rPr lang="en-US" b="1" u="sng" dirty="0"/>
+              <a:t>HOME</a:t>
+            </a:r>
+            <a:r>
+              <a:rPr lang="en-US" b="1" dirty="0"/>
+              <a:t>		</a:t>
+            </a:r>
+            <a:r>
+              <a:rPr lang="en-US" b="1" u="sng" dirty="0"/>
+              <a:t>MY SHELVES</a:t>
+            </a:r>
+            <a:r>
+              <a:rPr lang="en-US" b="1" dirty="0"/>
+              <a:t>		</a:t>
+            </a:r>
+            <a:r>
+              <a:rPr lang="en-US" b="1" u="sng" dirty="0"/>
+              <a:t>WATCHED MOVIES</a:t>
+            </a:r>
+            <a:r>
+              <a:rPr lang="en-US" b="1" dirty="0"/>
+              <a:t>			</a:t>
+            </a:r>
+            <a:r>
+              <a:rPr lang="en-US" b="1" u="sng" dirty="0"/>
+              <a:t>Login/Sign-up</a:t>
+            </a:r>
+          </a:p>
+        </p:txBody>
+      </p:sp>
+    </p:spTree>
+    <p:extLst>
+      <p:ext uri="{BB962C8B-B14F-4D97-AF65-F5344CB8AC3E}">
+        <p14:creationId xmlns:p14="http://schemas.microsoft.com/office/powerpoint/2010/main" val="1132189820"/>
+      </p:ext>
+    </p:extLst>
+  </p:cSld>
+  <p:clrMapOvr>
+    <a:masterClrMapping/>
+  </p:clrMapOvr>
+</p:sld>
+</file>
+
+<file path=ppt/slides/slide5.xml><?xml version="1.0" encoding="utf-8"?>
+<p:sld xmlns:a="http://schemas.openxmlformats.org/drawingml/2006/main" xmlns:r="http://schemas.openxmlformats.org/officeDocument/2006/relationships" xmlns:p="http://schemas.openxmlformats.org/presentationml/2006/main">
+  <p:cSld>
+    <p:spTree>
+      <p:nvGrpSpPr>
+        <p:cNvPr id="1" name=""/>
+        <p:cNvGrpSpPr/>
+        <p:nvPr/>
+      </p:nvGrpSpPr>
+      <p:grpSpPr>
+        <a:xfrm>
+          <a:off x="0" y="0"/>
+          <a:ext cx="0" cy="0"/>
+          <a:chOff x="0" y="0"/>
+          <a:chExt cx="0" cy="0"/>
+        </a:xfrm>
+      </p:grpSpPr>
+      <p:sp>
+        <p:nvSpPr>
+          <p:cNvPr id="2" name="Title 1">
+            <a:extLst>
+              <a:ext uri="{FF2B5EF4-FFF2-40B4-BE49-F238E27FC236}">
                 <a16:creationId xmlns:a16="http://schemas.microsoft.com/office/drawing/2014/main" id="{A559C572-651D-4FA0-A6EA-FD02D057204A}"/>
               </a:ext>
             </a:extLst>
@@ -4924,7 +5215,7 @@
 </p:sld>
 </file>
 
-<file path=ppt/slides/slide5.xml><?xml version="1.0" encoding="utf-8"?>
+<file path=ppt/slides/slide6.xml><?xml version="1.0" encoding="utf-8"?>
 <p:sld xmlns:a="http://schemas.openxmlformats.org/drawingml/2006/main" xmlns:r="http://schemas.openxmlformats.org/officeDocument/2006/relationships" xmlns:p="http://schemas.openxmlformats.org/presentationml/2006/main">
   <p:cSld>
     <p:spTree>
@@ -5007,36 +5298,6 @@
           </a:p>
         </p:txBody>
       </p:sp>
-      <p:pic>
-        <p:nvPicPr>
-          <p:cNvPr id="8" name="Picture 7">
-            <a:extLst>
-              <a:ext uri="{FF2B5EF4-FFF2-40B4-BE49-F238E27FC236}">
-                <a16:creationId xmlns:a16="http://schemas.microsoft.com/office/drawing/2014/main" id="{7A17D244-D504-464E-8F70-B2EEAB2326BB}"/>
-              </a:ext>
-            </a:extLst>
-          </p:cNvPr>
-          <p:cNvPicPr>
-            <a:picLocks noChangeAspect="1"/>
-          </p:cNvPicPr>
-          <p:nvPr/>
-        </p:nvPicPr>
-        <p:blipFill>
-          <a:blip r:embed="rId3"/>
-          <a:stretch>
-            <a:fillRect/>
-          </a:stretch>
-        </p:blipFill>
-        <p:spPr>
-          <a:xfrm>
-            <a:off x="1970349" y="6368142"/>
-            <a:ext cx="1142299" cy="104146"/>
-          </a:xfrm>
-          <a:prstGeom prst="rect">
-            <a:avLst/>
-          </a:prstGeom>
-        </p:spPr>
-      </p:pic>
       <p:sp>
         <p:nvSpPr>
           <p:cNvPr id="9" name="TextBox 8">
@@ -5092,7 +5353,7 @@
           <p:nvPr/>
         </p:nvPicPr>
         <p:blipFill>
-          <a:blip r:embed="rId4"/>
+          <a:blip r:embed="rId3"/>
           <a:stretch>
             <a:fillRect/>
           </a:stretch>
@@ -5327,393 +5588,6 @@
 </p:sld>
 </file>
 
-<file path=ppt/slides/slide6.xml><?xml version="1.0" encoding="utf-8"?>
-<p:sld xmlns:a="http://schemas.openxmlformats.org/drawingml/2006/main" xmlns:r="http://schemas.openxmlformats.org/officeDocument/2006/relationships" xmlns:p="http://schemas.openxmlformats.org/presentationml/2006/main">
-  <p:cSld>
-    <p:spTree>
-      <p:nvGrpSpPr>
-        <p:cNvPr id="1" name=""/>
-        <p:cNvGrpSpPr/>
-        <p:nvPr/>
-      </p:nvGrpSpPr>
-      <p:grpSpPr>
-        <a:xfrm>
-          <a:off x="0" y="0"/>
-          <a:ext cx="0" cy="0"/>
-          <a:chOff x="0" y="0"/>
-          <a:chExt cx="0" cy="0"/>
-        </a:xfrm>
-      </p:grpSpPr>
-      <p:sp>
-        <p:nvSpPr>
-          <p:cNvPr id="2" name="Title 1">
-            <a:extLst>
-              <a:ext uri="{FF2B5EF4-FFF2-40B4-BE49-F238E27FC236}">
-                <a16:creationId xmlns:a16="http://schemas.microsoft.com/office/drawing/2014/main" id="{35828903-EB9B-4ECF-98EB-D9933C7F1F2B}"/>
-              </a:ext>
-            </a:extLst>
-          </p:cNvPr>
-          <p:cNvSpPr>
-            <a:spLocks noGrp="1"/>
-          </p:cNvSpPr>
-          <p:nvPr>
-            <p:ph type="title"/>
-          </p:nvPr>
-        </p:nvSpPr>
-        <p:spPr>
-          <a:xfrm rot="10800000" flipV="1">
-            <a:off x="1028701" y="1718840"/>
-            <a:ext cx="1779813" cy="2333627"/>
-          </a:xfrm>
-          <a:ln w="28575">
-            <a:solidFill>
-              <a:schemeClr val="tx1"/>
-            </a:solidFill>
-          </a:ln>
-        </p:spPr>
-        <p:txBody>
-          <a:bodyPr>
-            <a:normAutofit/>
-          </a:bodyPr>
-          <a:lstStyle/>
-          <a:p>
-            <a:r>
-              <a:rPr lang="en-US" dirty="0"/>
-              <a:t>COVER</a:t>
-            </a:r>
-          </a:p>
-        </p:txBody>
-      </p:sp>
-      <p:pic>
-        <p:nvPicPr>
-          <p:cNvPr id="4" name="Picture 3">
-            <a:extLst>
-              <a:ext uri="{FF2B5EF4-FFF2-40B4-BE49-F238E27FC236}">
-                <a16:creationId xmlns:a16="http://schemas.microsoft.com/office/drawing/2014/main" id="{DA876B5B-F261-4553-92D1-0C5AD490A68B}"/>
-              </a:ext>
-            </a:extLst>
-          </p:cNvPr>
-          <p:cNvPicPr>
-            <a:picLocks noChangeAspect="1"/>
-          </p:cNvPicPr>
-          <p:nvPr/>
-        </p:nvPicPr>
-        <p:blipFill>
-          <a:blip r:embed="rId2"/>
-          <a:stretch>
-            <a:fillRect/>
-          </a:stretch>
-        </p:blipFill>
-        <p:spPr>
-          <a:xfrm>
-            <a:off x="1150388" y="347782"/>
-            <a:ext cx="10370195" cy="493819"/>
-          </a:xfrm>
-          <a:prstGeom prst="rect">
-            <a:avLst/>
-          </a:prstGeom>
-        </p:spPr>
-      </p:pic>
-      <p:sp>
-        <p:nvSpPr>
-          <p:cNvPr id="5" name="TextBox 4">
-            <a:extLst>
-              <a:ext uri="{FF2B5EF4-FFF2-40B4-BE49-F238E27FC236}">
-                <a16:creationId xmlns:a16="http://schemas.microsoft.com/office/drawing/2014/main" id="{8A185EBD-1398-41D1-9F20-8C7FF41B2751}"/>
-              </a:ext>
-            </a:extLst>
-          </p:cNvPr>
-          <p:cNvSpPr txBox="1"/>
-          <p:nvPr/>
-        </p:nvSpPr>
-        <p:spPr>
-          <a:xfrm>
-            <a:off x="4310743" y="1907606"/>
-            <a:ext cx="5894614" cy="2031325"/>
-          </a:xfrm>
-          <a:prstGeom prst="rect">
-            <a:avLst/>
-          </a:prstGeom>
-          <a:noFill/>
-        </p:spPr>
-        <p:txBody>
-          <a:bodyPr wrap="square" rtlCol="0">
-            <a:spAutoFit/>
-          </a:bodyPr>
-          <a:lstStyle/>
-          <a:p>
-            <a:r>
-              <a:rPr lang="en-US" dirty="0"/>
-              <a:t>TITLE:</a:t>
-            </a:r>
-          </a:p>
-          <a:p>
-            <a:endParaRPr lang="en-US" dirty="0"/>
-          </a:p>
-          <a:p>
-            <a:r>
-              <a:rPr lang="en-US" dirty="0"/>
-              <a:t>YEAR:</a:t>
-            </a:r>
-          </a:p>
-          <a:p>
-            <a:endParaRPr lang="en-US" dirty="0"/>
-          </a:p>
-          <a:p>
-            <a:r>
-              <a:rPr lang="en-US" dirty="0"/>
-              <a:t>DIRECTOR:</a:t>
-            </a:r>
-          </a:p>
-          <a:p>
-            <a:endParaRPr lang="en-US" dirty="0"/>
-          </a:p>
-          <a:p>
-            <a:r>
-              <a:rPr lang="en-US" dirty="0"/>
-              <a:t>ACTORS:</a:t>
-            </a:r>
-          </a:p>
-        </p:txBody>
-      </p:sp>
-      <p:pic>
-        <p:nvPicPr>
-          <p:cNvPr id="6" name="Picture 5">
-            <a:extLst>
-              <a:ext uri="{FF2B5EF4-FFF2-40B4-BE49-F238E27FC236}">
-                <a16:creationId xmlns:a16="http://schemas.microsoft.com/office/drawing/2014/main" id="{C62B1F41-4614-4497-843B-6B9DA665FF71}"/>
-              </a:ext>
-            </a:extLst>
-          </p:cNvPr>
-          <p:cNvPicPr>
-            <a:picLocks noChangeAspect="1"/>
-          </p:cNvPicPr>
-          <p:nvPr/>
-        </p:nvPicPr>
-        <p:blipFill>
-          <a:blip r:embed="rId3"/>
-          <a:stretch>
-            <a:fillRect/>
-          </a:stretch>
-        </p:blipFill>
-        <p:spPr>
-          <a:xfrm>
-            <a:off x="284551" y="841601"/>
-            <a:ext cx="2523963" cy="847417"/>
-          </a:xfrm>
-          <a:prstGeom prst="rect">
-            <a:avLst/>
-          </a:prstGeom>
-        </p:spPr>
-      </p:pic>
-      <p:sp>
-        <p:nvSpPr>
-          <p:cNvPr id="7" name="TextBox 6">
-            <a:extLst>
-              <a:ext uri="{FF2B5EF4-FFF2-40B4-BE49-F238E27FC236}">
-                <a16:creationId xmlns:a16="http://schemas.microsoft.com/office/drawing/2014/main" id="{F383AB9D-32AD-4174-A4A4-970C1A7A7DD3}"/>
-              </a:ext>
-            </a:extLst>
-          </p:cNvPr>
-          <p:cNvSpPr txBox="1"/>
-          <p:nvPr/>
-        </p:nvSpPr>
-        <p:spPr>
-          <a:xfrm>
-            <a:off x="865414" y="4718957"/>
-            <a:ext cx="10972800" cy="1754326"/>
-          </a:xfrm>
-          <a:prstGeom prst="rect">
-            <a:avLst/>
-          </a:prstGeom>
-          <a:noFill/>
-          <a:ln>
-            <a:solidFill>
-              <a:schemeClr val="tx1"/>
-            </a:solidFill>
-          </a:ln>
-        </p:spPr>
-        <p:txBody>
-          <a:bodyPr wrap="square" rtlCol="0">
-            <a:spAutoFit/>
-          </a:bodyPr>
-          <a:lstStyle/>
-          <a:p>
-            <a:r>
-              <a:rPr lang="en-US" dirty="0"/>
-              <a:t>Summary:</a:t>
-            </a:r>
-          </a:p>
-          <a:p>
-            <a:endParaRPr lang="en-US" dirty="0"/>
-          </a:p>
-          <a:p>
-            <a:endParaRPr lang="en-US" dirty="0"/>
-          </a:p>
-          <a:p>
-            <a:endParaRPr lang="en-US" dirty="0"/>
-          </a:p>
-          <a:p>
-            <a:endParaRPr lang="en-US" dirty="0"/>
-          </a:p>
-          <a:p>
-            <a:r>
-              <a:rPr lang="en-US" dirty="0"/>
-              <a:t> </a:t>
-            </a:r>
-          </a:p>
-        </p:txBody>
-      </p:sp>
-      <p:pic>
-        <p:nvPicPr>
-          <p:cNvPr id="8" name="Picture 7">
-            <a:extLst>
-              <a:ext uri="{FF2B5EF4-FFF2-40B4-BE49-F238E27FC236}">
-                <a16:creationId xmlns:a16="http://schemas.microsoft.com/office/drawing/2014/main" id="{7781C8E0-32F9-4E8D-BF2E-A6235B7CFFDE}"/>
-              </a:ext>
-            </a:extLst>
-          </p:cNvPr>
-          <p:cNvPicPr>
-            <a:picLocks noChangeAspect="1"/>
-          </p:cNvPicPr>
-          <p:nvPr/>
-        </p:nvPicPr>
-        <p:blipFill>
-          <a:blip r:embed="rId4"/>
-          <a:stretch>
-            <a:fillRect/>
-          </a:stretch>
-        </p:blipFill>
-        <p:spPr>
-          <a:xfrm>
-            <a:off x="4150180" y="3579759"/>
-            <a:ext cx="2487384" cy="1322947"/>
-          </a:xfrm>
-          <a:prstGeom prst="rect">
-            <a:avLst/>
-          </a:prstGeom>
-        </p:spPr>
-      </p:pic>
-      <p:sp>
-        <p:nvSpPr>
-          <p:cNvPr id="10" name="TextBox 9">
-            <a:extLst>
-              <a:ext uri="{FF2B5EF4-FFF2-40B4-BE49-F238E27FC236}">
-                <a16:creationId xmlns:a16="http://schemas.microsoft.com/office/drawing/2014/main" id="{6E9CB0F0-B9F6-4516-946F-A9F31FCECFCE}"/>
-              </a:ext>
-            </a:extLst>
-          </p:cNvPr>
-          <p:cNvSpPr txBox="1"/>
-          <p:nvPr/>
-        </p:nvSpPr>
-        <p:spPr>
-          <a:xfrm>
-            <a:off x="6792685" y="4059907"/>
-            <a:ext cx="3412672" cy="369332"/>
-          </a:xfrm>
-          <a:prstGeom prst="rect">
-            <a:avLst/>
-          </a:prstGeom>
-          <a:noFill/>
-        </p:spPr>
-        <p:txBody>
-          <a:bodyPr wrap="square" rtlCol="0">
-            <a:spAutoFit/>
-          </a:bodyPr>
-          <a:lstStyle/>
-          <a:p>
-            <a:r>
-              <a:rPr lang="en-US" dirty="0"/>
-              <a:t>My Rating: X </a:t>
-            </a:r>
-            <a:r>
-              <a:rPr lang="en-US" dirty="0" err="1"/>
-              <a:t>X</a:t>
-            </a:r>
-            <a:r>
-              <a:rPr lang="en-US" dirty="0"/>
-              <a:t> </a:t>
-            </a:r>
-            <a:r>
-              <a:rPr lang="en-US" dirty="0" err="1"/>
-              <a:t>X</a:t>
-            </a:r>
-            <a:r>
-              <a:rPr lang="en-US" dirty="0"/>
-              <a:t> </a:t>
-            </a:r>
-            <a:r>
-              <a:rPr lang="en-US" dirty="0" err="1"/>
-              <a:t>X</a:t>
-            </a:r>
-            <a:r>
-              <a:rPr lang="en-US" dirty="0"/>
-              <a:t> </a:t>
-            </a:r>
-            <a:r>
-              <a:rPr lang="en-US" dirty="0" err="1"/>
-              <a:t>X</a:t>
-            </a:r>
-            <a:r>
-              <a:rPr lang="en-US" dirty="0"/>
-              <a:t> </a:t>
-            </a:r>
-          </a:p>
-        </p:txBody>
-      </p:sp>
-      <p:sp>
-        <p:nvSpPr>
-          <p:cNvPr id="11" name="TextBox 10">
-            <a:extLst>
-              <a:ext uri="{FF2B5EF4-FFF2-40B4-BE49-F238E27FC236}">
-                <a16:creationId xmlns:a16="http://schemas.microsoft.com/office/drawing/2014/main" id="{B171B169-6E87-46BD-BBFA-58D4EC8B2CA1}"/>
-              </a:ext>
-            </a:extLst>
-          </p:cNvPr>
-          <p:cNvSpPr txBox="1"/>
-          <p:nvPr/>
-        </p:nvSpPr>
-        <p:spPr>
-          <a:xfrm>
-            <a:off x="1150388" y="4198331"/>
-            <a:ext cx="1464733" cy="369332"/>
-          </a:xfrm>
-          <a:prstGeom prst="rect">
-            <a:avLst/>
-          </a:prstGeom>
-          <a:noFill/>
-          <a:ln w="19050">
-            <a:solidFill>
-              <a:schemeClr val="tx1"/>
-            </a:solidFill>
-          </a:ln>
-        </p:spPr>
-        <p:txBody>
-          <a:bodyPr wrap="square" rtlCol="0">
-            <a:spAutoFit/>
-          </a:bodyPr>
-          <a:lstStyle/>
-          <a:p>
-            <a:r>
-              <a:rPr lang="en-US" dirty="0"/>
-              <a:t>SHELF SELECT</a:t>
-            </a:r>
-          </a:p>
-        </p:txBody>
-      </p:sp>
-    </p:spTree>
-    <p:extLst>
-      <p:ext uri="{BB962C8B-B14F-4D97-AF65-F5344CB8AC3E}">
-        <p14:creationId xmlns:p14="http://schemas.microsoft.com/office/powerpoint/2010/main" val="1240463666"/>
-      </p:ext>
-    </p:extLst>
-  </p:cSld>
-  <p:clrMapOvr>
-    <a:masterClrMapping/>
-  </p:clrMapOvr>
-</p:sld>
-</file>
-
 <file path=ppt/slides/slide7.xml><?xml version="1.0" encoding="utf-8"?>
 <p:sld xmlns:a="http://schemas.openxmlformats.org/drawingml/2006/main" xmlns:r="http://schemas.openxmlformats.org/officeDocument/2006/relationships" xmlns:p="http://schemas.openxmlformats.org/presentationml/2006/main">
   <p:cSld>
@@ -5733,43 +5607,41 @@
       </p:grpSpPr>
       <p:sp>
         <p:nvSpPr>
-          <p:cNvPr id="3" name="Content Placeholder 2">
-            <a:extLst>
-              <a:ext uri="{FF2B5EF4-FFF2-40B4-BE49-F238E27FC236}">
-                <a16:creationId xmlns:a16="http://schemas.microsoft.com/office/drawing/2014/main" id="{AEBE0810-2741-418E-B9B2-9CA543F138AA}"/>
-              </a:ext>
-            </a:extLst>
-          </p:cNvPr>
-          <p:cNvSpPr>
-            <a:spLocks noGrp="1"/>
-          </p:cNvSpPr>
-          <p:nvPr>
-            <p:ph idx="1"/>
-          </p:nvPr>
-        </p:nvSpPr>
-        <p:spPr>
-          <a:xfrm>
-            <a:off x="685799" y="1595437"/>
-            <a:ext cx="11255829" cy="1833563"/>
-          </a:xfrm>
-        </p:spPr>
-        <p:txBody>
-          <a:bodyPr/>
-          <a:lstStyle/>
-          <a:p>
-            <a:pPr marL="0" indent="0">
-              <a:buNone/>
-            </a:pPr>
+          <p:cNvPr id="2" name="Title 1">
+            <a:extLst>
+              <a:ext uri="{FF2B5EF4-FFF2-40B4-BE49-F238E27FC236}">
+                <a16:creationId xmlns:a16="http://schemas.microsoft.com/office/drawing/2014/main" id="{35828903-EB9B-4ECF-98EB-D9933C7F1F2B}"/>
+              </a:ext>
+            </a:extLst>
+          </p:cNvPr>
+          <p:cNvSpPr>
+            <a:spLocks noGrp="1"/>
+          </p:cNvSpPr>
+          <p:nvPr>
+            <p:ph type="title"/>
+          </p:nvPr>
+        </p:nvSpPr>
+        <p:spPr>
+          <a:xfrm rot="10800000" flipV="1">
+            <a:off x="1028701" y="1718840"/>
+            <a:ext cx="1779813" cy="2333627"/>
+          </a:xfrm>
+          <a:ln w="28575">
+            <a:solidFill>
+              <a:schemeClr val="tx1"/>
+            </a:solidFill>
+          </a:ln>
+        </p:spPr>
+        <p:txBody>
+          <a:bodyPr>
+            <a:normAutofit/>
+          </a:bodyPr>
+          <a:lstStyle/>
+          <a:p>
             <a:r>
               <a:rPr lang="en-US" dirty="0"/>
-              <a:t>CREATE A POST:</a:t>
-            </a:r>
-          </a:p>
-          <a:p>
-            <a:pPr marL="0" indent="0">
-              <a:buNone/>
-            </a:pPr>
-            <a:endParaRPr lang="en-US" dirty="0"/>
+              <a:t>COVER</a:t>
+            </a:r>
           </a:p>
         </p:txBody>
       </p:sp>
@@ -5778,7 +5650,7 @@
           <p:cNvPr id="4" name="Picture 3">
             <a:extLst>
               <a:ext uri="{FF2B5EF4-FFF2-40B4-BE49-F238E27FC236}">
-                <a16:creationId xmlns:a16="http://schemas.microsoft.com/office/drawing/2014/main" id="{B1AA75B3-786A-4B27-B30F-A42E4D424E97}"/>
+                <a16:creationId xmlns:a16="http://schemas.microsoft.com/office/drawing/2014/main" id="{DA876B5B-F261-4553-92D1-0C5AD490A68B}"/>
               </a:ext>
             </a:extLst>
           </p:cNvPr>
@@ -5795,7 +5667,7 @@
         </p:blipFill>
         <p:spPr>
           <a:xfrm>
-            <a:off x="1237473" y="65827"/>
+            <a:off x="1150388" y="347782"/>
             <a:ext cx="10370195" cy="493819"/>
           </a:xfrm>
           <a:prstGeom prst="rect">
@@ -5803,12 +5675,74 @@
           </a:prstGeom>
         </p:spPr>
       </p:pic>
+      <p:sp>
+        <p:nvSpPr>
+          <p:cNvPr id="5" name="TextBox 4">
+            <a:extLst>
+              <a:ext uri="{FF2B5EF4-FFF2-40B4-BE49-F238E27FC236}">
+                <a16:creationId xmlns:a16="http://schemas.microsoft.com/office/drawing/2014/main" id="{8A185EBD-1398-41D1-9F20-8C7FF41B2751}"/>
+              </a:ext>
+            </a:extLst>
+          </p:cNvPr>
+          <p:cNvSpPr txBox="1"/>
+          <p:nvPr/>
+        </p:nvSpPr>
+        <p:spPr>
+          <a:xfrm>
+            <a:off x="4310743" y="1907606"/>
+            <a:ext cx="5894614" cy="2031325"/>
+          </a:xfrm>
+          <a:prstGeom prst="rect">
+            <a:avLst/>
+          </a:prstGeom>
+          <a:noFill/>
+        </p:spPr>
+        <p:txBody>
+          <a:bodyPr wrap="square" rtlCol="0">
+            <a:spAutoFit/>
+          </a:bodyPr>
+          <a:lstStyle/>
+          <a:p>
+            <a:r>
+              <a:rPr lang="en-US" dirty="0"/>
+              <a:t>TITLE:</a:t>
+            </a:r>
+          </a:p>
+          <a:p>
+            <a:endParaRPr lang="en-US" dirty="0"/>
+          </a:p>
+          <a:p>
+            <a:r>
+              <a:rPr lang="en-US" dirty="0"/>
+              <a:t>YEAR:</a:t>
+            </a:r>
+          </a:p>
+          <a:p>
+            <a:endParaRPr lang="en-US" dirty="0"/>
+          </a:p>
+          <a:p>
+            <a:r>
+              <a:rPr lang="en-US" dirty="0"/>
+              <a:t>DIRECTOR:</a:t>
+            </a:r>
+          </a:p>
+          <a:p>
+            <a:endParaRPr lang="en-US" dirty="0"/>
+          </a:p>
+          <a:p>
+            <a:r>
+              <a:rPr lang="en-US" dirty="0"/>
+              <a:t>ACTORS:</a:t>
+            </a:r>
+          </a:p>
+        </p:txBody>
+      </p:sp>
       <p:pic>
         <p:nvPicPr>
-          <p:cNvPr id="5" name="Picture 4">
-            <a:extLst>
-              <a:ext uri="{FF2B5EF4-FFF2-40B4-BE49-F238E27FC236}">
-                <a16:creationId xmlns:a16="http://schemas.microsoft.com/office/drawing/2014/main" id="{121C0B45-E8BD-4279-8EA6-6823AA816869}"/>
+          <p:cNvPr id="6" name="Picture 5">
+            <a:extLst>
+              <a:ext uri="{FF2B5EF4-FFF2-40B4-BE49-F238E27FC236}">
+                <a16:creationId xmlns:a16="http://schemas.microsoft.com/office/drawing/2014/main" id="{C62B1F41-4614-4497-843B-6B9DA665FF71}"/>
               </a:ext>
             </a:extLst>
           </p:cNvPr>
@@ -5825,6 +5759,333 @@
         </p:blipFill>
         <p:spPr>
           <a:xfrm>
+            <a:off x="284551" y="841601"/>
+            <a:ext cx="2523963" cy="847417"/>
+          </a:xfrm>
+          <a:prstGeom prst="rect">
+            <a:avLst/>
+          </a:prstGeom>
+        </p:spPr>
+      </p:pic>
+      <p:sp>
+        <p:nvSpPr>
+          <p:cNvPr id="7" name="TextBox 6">
+            <a:extLst>
+              <a:ext uri="{FF2B5EF4-FFF2-40B4-BE49-F238E27FC236}">
+                <a16:creationId xmlns:a16="http://schemas.microsoft.com/office/drawing/2014/main" id="{F383AB9D-32AD-4174-A4A4-970C1A7A7DD3}"/>
+              </a:ext>
+            </a:extLst>
+          </p:cNvPr>
+          <p:cNvSpPr txBox="1"/>
+          <p:nvPr/>
+        </p:nvSpPr>
+        <p:spPr>
+          <a:xfrm>
+            <a:off x="865414" y="4718957"/>
+            <a:ext cx="10972800" cy="1754326"/>
+          </a:xfrm>
+          <a:prstGeom prst="rect">
+            <a:avLst/>
+          </a:prstGeom>
+          <a:noFill/>
+          <a:ln>
+            <a:solidFill>
+              <a:schemeClr val="tx1"/>
+            </a:solidFill>
+          </a:ln>
+        </p:spPr>
+        <p:txBody>
+          <a:bodyPr wrap="square" rtlCol="0">
+            <a:spAutoFit/>
+          </a:bodyPr>
+          <a:lstStyle/>
+          <a:p>
+            <a:r>
+              <a:rPr lang="en-US" dirty="0"/>
+              <a:t>Summary:</a:t>
+            </a:r>
+          </a:p>
+          <a:p>
+            <a:endParaRPr lang="en-US" dirty="0"/>
+          </a:p>
+          <a:p>
+            <a:endParaRPr lang="en-US" dirty="0"/>
+          </a:p>
+          <a:p>
+            <a:endParaRPr lang="en-US" dirty="0"/>
+          </a:p>
+          <a:p>
+            <a:endParaRPr lang="en-US" dirty="0"/>
+          </a:p>
+          <a:p>
+            <a:r>
+              <a:rPr lang="en-US" dirty="0"/>
+              <a:t> </a:t>
+            </a:r>
+          </a:p>
+        </p:txBody>
+      </p:sp>
+      <p:pic>
+        <p:nvPicPr>
+          <p:cNvPr id="8" name="Picture 7">
+            <a:extLst>
+              <a:ext uri="{FF2B5EF4-FFF2-40B4-BE49-F238E27FC236}">
+                <a16:creationId xmlns:a16="http://schemas.microsoft.com/office/drawing/2014/main" id="{7781C8E0-32F9-4E8D-BF2E-A6235B7CFFDE}"/>
+              </a:ext>
+            </a:extLst>
+          </p:cNvPr>
+          <p:cNvPicPr>
+            <a:picLocks noChangeAspect="1"/>
+          </p:cNvPicPr>
+          <p:nvPr/>
+        </p:nvPicPr>
+        <p:blipFill>
+          <a:blip r:embed="rId4"/>
+          <a:stretch>
+            <a:fillRect/>
+          </a:stretch>
+        </p:blipFill>
+        <p:spPr>
+          <a:xfrm>
+            <a:off x="4150180" y="3579759"/>
+            <a:ext cx="2487384" cy="1322947"/>
+          </a:xfrm>
+          <a:prstGeom prst="rect">
+            <a:avLst/>
+          </a:prstGeom>
+        </p:spPr>
+      </p:pic>
+      <p:sp>
+        <p:nvSpPr>
+          <p:cNvPr id="10" name="TextBox 9">
+            <a:extLst>
+              <a:ext uri="{FF2B5EF4-FFF2-40B4-BE49-F238E27FC236}">
+                <a16:creationId xmlns:a16="http://schemas.microsoft.com/office/drawing/2014/main" id="{6E9CB0F0-B9F6-4516-946F-A9F31FCECFCE}"/>
+              </a:ext>
+            </a:extLst>
+          </p:cNvPr>
+          <p:cNvSpPr txBox="1"/>
+          <p:nvPr/>
+        </p:nvSpPr>
+        <p:spPr>
+          <a:xfrm>
+            <a:off x="6792685" y="4059907"/>
+            <a:ext cx="3412672" cy="369332"/>
+          </a:xfrm>
+          <a:prstGeom prst="rect">
+            <a:avLst/>
+          </a:prstGeom>
+          <a:noFill/>
+        </p:spPr>
+        <p:txBody>
+          <a:bodyPr wrap="square" rtlCol="0">
+            <a:spAutoFit/>
+          </a:bodyPr>
+          <a:lstStyle/>
+          <a:p>
+            <a:r>
+              <a:rPr lang="en-US" dirty="0"/>
+              <a:t>My Rating: X </a:t>
+            </a:r>
+            <a:r>
+              <a:rPr lang="en-US" dirty="0" err="1"/>
+              <a:t>X</a:t>
+            </a:r>
+            <a:r>
+              <a:rPr lang="en-US" dirty="0"/>
+              <a:t> </a:t>
+            </a:r>
+            <a:r>
+              <a:rPr lang="en-US" dirty="0" err="1"/>
+              <a:t>X</a:t>
+            </a:r>
+            <a:r>
+              <a:rPr lang="en-US" dirty="0"/>
+              <a:t> </a:t>
+            </a:r>
+            <a:r>
+              <a:rPr lang="en-US" dirty="0" err="1"/>
+              <a:t>X</a:t>
+            </a:r>
+            <a:r>
+              <a:rPr lang="en-US" dirty="0"/>
+              <a:t> </a:t>
+            </a:r>
+            <a:r>
+              <a:rPr lang="en-US" dirty="0" err="1"/>
+              <a:t>X</a:t>
+            </a:r>
+            <a:r>
+              <a:rPr lang="en-US" dirty="0"/>
+              <a:t> </a:t>
+            </a:r>
+          </a:p>
+        </p:txBody>
+      </p:sp>
+      <p:sp>
+        <p:nvSpPr>
+          <p:cNvPr id="11" name="TextBox 10">
+            <a:extLst>
+              <a:ext uri="{FF2B5EF4-FFF2-40B4-BE49-F238E27FC236}">
+                <a16:creationId xmlns:a16="http://schemas.microsoft.com/office/drawing/2014/main" id="{B171B169-6E87-46BD-BBFA-58D4EC8B2CA1}"/>
+              </a:ext>
+            </a:extLst>
+          </p:cNvPr>
+          <p:cNvSpPr txBox="1"/>
+          <p:nvPr/>
+        </p:nvSpPr>
+        <p:spPr>
+          <a:xfrm>
+            <a:off x="1150388" y="4198331"/>
+            <a:ext cx="1464733" cy="369332"/>
+          </a:xfrm>
+          <a:prstGeom prst="rect">
+            <a:avLst/>
+          </a:prstGeom>
+          <a:noFill/>
+          <a:ln w="19050">
+            <a:solidFill>
+              <a:schemeClr val="tx1"/>
+            </a:solidFill>
+          </a:ln>
+        </p:spPr>
+        <p:txBody>
+          <a:bodyPr wrap="square" rtlCol="0">
+            <a:spAutoFit/>
+          </a:bodyPr>
+          <a:lstStyle/>
+          <a:p>
+            <a:r>
+              <a:rPr lang="en-US" dirty="0"/>
+              <a:t>SHELF SELECT</a:t>
+            </a:r>
+          </a:p>
+        </p:txBody>
+      </p:sp>
+    </p:spTree>
+    <p:extLst>
+      <p:ext uri="{BB962C8B-B14F-4D97-AF65-F5344CB8AC3E}">
+        <p14:creationId xmlns:p14="http://schemas.microsoft.com/office/powerpoint/2010/main" val="1240463666"/>
+      </p:ext>
+    </p:extLst>
+  </p:cSld>
+  <p:clrMapOvr>
+    <a:masterClrMapping/>
+  </p:clrMapOvr>
+</p:sld>
+</file>
+
+<file path=ppt/slides/slide8.xml><?xml version="1.0" encoding="utf-8"?>
+<p:sld xmlns:a="http://schemas.openxmlformats.org/drawingml/2006/main" xmlns:r="http://schemas.openxmlformats.org/officeDocument/2006/relationships" xmlns:p="http://schemas.openxmlformats.org/presentationml/2006/main">
+  <p:cSld>
+    <p:spTree>
+      <p:nvGrpSpPr>
+        <p:cNvPr id="1" name=""/>
+        <p:cNvGrpSpPr/>
+        <p:nvPr/>
+      </p:nvGrpSpPr>
+      <p:grpSpPr>
+        <a:xfrm>
+          <a:off x="0" y="0"/>
+          <a:ext cx="0" cy="0"/>
+          <a:chOff x="0" y="0"/>
+          <a:chExt cx="0" cy="0"/>
+        </a:xfrm>
+      </p:grpSpPr>
+      <p:sp>
+        <p:nvSpPr>
+          <p:cNvPr id="3" name="Content Placeholder 2">
+            <a:extLst>
+              <a:ext uri="{FF2B5EF4-FFF2-40B4-BE49-F238E27FC236}">
+                <a16:creationId xmlns:a16="http://schemas.microsoft.com/office/drawing/2014/main" id="{AEBE0810-2741-418E-B9B2-9CA543F138AA}"/>
+              </a:ext>
+            </a:extLst>
+          </p:cNvPr>
+          <p:cNvSpPr>
+            <a:spLocks noGrp="1"/>
+          </p:cNvSpPr>
+          <p:nvPr>
+            <p:ph idx="1"/>
+          </p:nvPr>
+        </p:nvSpPr>
+        <p:spPr>
+          <a:xfrm>
+            <a:off x="685799" y="1595437"/>
+            <a:ext cx="11255829" cy="1833563"/>
+          </a:xfrm>
+        </p:spPr>
+        <p:txBody>
+          <a:bodyPr/>
+          <a:lstStyle/>
+          <a:p>
+            <a:pPr marL="0" indent="0">
+              <a:buNone/>
+            </a:pPr>
+            <a:r>
+              <a:rPr lang="en-US" dirty="0"/>
+              <a:t>CREATE A POST:</a:t>
+            </a:r>
+          </a:p>
+          <a:p>
+            <a:pPr marL="0" indent="0">
+              <a:buNone/>
+            </a:pPr>
+            <a:endParaRPr lang="en-US" dirty="0"/>
+          </a:p>
+        </p:txBody>
+      </p:sp>
+      <p:pic>
+        <p:nvPicPr>
+          <p:cNvPr id="4" name="Picture 3">
+            <a:extLst>
+              <a:ext uri="{FF2B5EF4-FFF2-40B4-BE49-F238E27FC236}">
+                <a16:creationId xmlns:a16="http://schemas.microsoft.com/office/drawing/2014/main" id="{B1AA75B3-786A-4B27-B30F-A42E4D424E97}"/>
+              </a:ext>
+            </a:extLst>
+          </p:cNvPr>
+          <p:cNvPicPr>
+            <a:picLocks noChangeAspect="1"/>
+          </p:cNvPicPr>
+          <p:nvPr/>
+        </p:nvPicPr>
+        <p:blipFill>
+          <a:blip r:embed="rId2"/>
+          <a:stretch>
+            <a:fillRect/>
+          </a:stretch>
+        </p:blipFill>
+        <p:spPr>
+          <a:xfrm>
+            <a:off x="1237473" y="65827"/>
+            <a:ext cx="10370195" cy="493819"/>
+          </a:xfrm>
+          <a:prstGeom prst="rect">
+            <a:avLst/>
+          </a:prstGeom>
+        </p:spPr>
+      </p:pic>
+      <p:pic>
+        <p:nvPicPr>
+          <p:cNvPr id="5" name="Picture 4">
+            <a:extLst>
+              <a:ext uri="{FF2B5EF4-FFF2-40B4-BE49-F238E27FC236}">
+                <a16:creationId xmlns:a16="http://schemas.microsoft.com/office/drawing/2014/main" id="{121C0B45-E8BD-4279-8EA6-6823AA816869}"/>
+              </a:ext>
+            </a:extLst>
+          </p:cNvPr>
+          <p:cNvPicPr>
+            <a:picLocks noChangeAspect="1"/>
+          </p:cNvPicPr>
+          <p:nvPr/>
+        </p:nvPicPr>
+        <p:blipFill>
+          <a:blip r:embed="rId3"/>
+          <a:stretch>
+            <a:fillRect/>
+          </a:stretch>
+        </p:blipFill>
+        <p:spPr>
+          <a:xfrm>
             <a:off x="557118" y="468672"/>
             <a:ext cx="2523963" cy="847417"/>
           </a:xfrm>
@@ -6036,6 +6297,47 @@
             <a:r>
               <a:rPr lang="en-US" dirty="0"/>
               <a:t>edit</a:t>
+            </a:r>
+          </a:p>
+        </p:txBody>
+      </p:sp>
+      <p:sp>
+        <p:nvSpPr>
+          <p:cNvPr id="14" name="TextBox 13">
+            <a:extLst>
+              <a:ext uri="{FF2B5EF4-FFF2-40B4-BE49-F238E27FC236}">
+                <a16:creationId xmlns:a16="http://schemas.microsoft.com/office/drawing/2014/main" id="{C3768F18-F38A-42FA-88FE-A9E7677E815D}"/>
+              </a:ext>
+            </a:extLst>
+          </p:cNvPr>
+          <p:cNvSpPr txBox="1"/>
+          <p:nvPr/>
+        </p:nvSpPr>
+        <p:spPr>
+          <a:xfrm>
+            <a:off x="1828800" y="4299832"/>
+            <a:ext cx="933661" cy="369332"/>
+          </a:xfrm>
+          <a:prstGeom prst="rect">
+            <a:avLst/>
+          </a:prstGeom>
+          <a:noFill/>
+          <a:ln w="28575">
+            <a:solidFill>
+              <a:schemeClr val="tx1"/>
+            </a:solidFill>
+          </a:ln>
+        </p:spPr>
+        <p:txBody>
+          <a:bodyPr wrap="square" rtlCol="0">
+            <a:spAutoFit/>
+          </a:bodyPr>
+          <a:lstStyle/>
+          <a:p>
+            <a:pPr algn="ctr"/>
+            <a:r>
+              <a:rPr lang="en-US" dirty="0"/>
+              <a:t>delete</a:t>
             </a:r>
           </a:p>
         </p:txBody>
